--- a/documentations/PAWs proposal.pptx
+++ b/documentations/PAWs proposal.pptx
@@ -296,39 +296,6 @@
           <inkml:channelProperty channel="T" name="resolution" value="1" units="1/dev"/>
         </inkml:channelProperties>
       </inkml:inkSource>
-      <inkml:timestamp xml:id="ts0" timeString="2020-03-05T05:49:44.627"/>
-    </inkml:context>
-    <inkml:brush xml:id="br0">
-      <inkml:brushProperty name="width" value="0.05292" units="cm"/>
-      <inkml:brushProperty name="height" value="0.05292" units="cm"/>
-      <inkml:brushProperty name="color" value="#FF0000"/>
-    </inkml:brush>
-  </inkml:definitions>
-  <inkml:trace contextRef="#ctx0" brushRef="#br0">10249 5600 673 0,'0'0'0'0,"18"-7"0"16,10-1 0-16,-16 8 293 0,-5 8-293 0,-4 1 293 0,-3 3-293 16,0 10 226-16,-3 6-226 0,1-16 226 0,2-7-226 15,-4 10 156-15,3 4-156 0,-3 5 156 0,-3 9-156 16,2-6 9-16,2 1-9 0,1-8 10 0,-2-8-10 16,1 7-5-16,1-5 5 0,2 8-5 0,0 2 5 15,2 4 2-15,1-1-2 0,4 9 2 0,0 4-2 0,2 1 93 16,3 2-93-16,4-4 93 0,-4-3-93 15,11 0 120-15,0 4-120 0,3-1 121 0,7 4-121 16,9-3 42-16,7-1-42 0,16 18 42 0,11 6-42 0,-2-5 15 16,3-1-15-16,5-5 15 0,3-4-15 0,6-4 48 15,9-1-48-15,-2 4 49 0,-2-3-49 0,10 8-7 16,8 3 7-16,-2-4-7 0,1-6 7 0,8-1-6 16,5-1 6-16,-2-3-5 0,5-1 5 0,0 4 17 15,1 2-17-15,4-2 17 0,2-4-17 0,11 0 4 16,9-6-4-16,-6-5 4 0,-2-4-4 0,18-6 16 0,6 3-16 15,1-9 17-15,-1 0-17 0,8-3 15 0,-1-2-15 16,-10-2 16-16,-5 2-16 0,9-7 72 0,4-7-72 16,-11 2 73-16,-6-7-73 0,1 0 22 0,0-1-22 0,-9-5 23 15,-12-3-23-15,3-6 44 0,2-9-44 16,-5-7 45-16,-11-5-45 0,4-4 16 0,0 4-16 16,-11-7 17-16,-7 4-17 0,4-20 12 0,-2-6-12 0,-5 2 12 15,-5 2-12-15,-3-4 26 0,-2-2-26 0,-10-7 26 16,-8-3-26-16,-7 5 19 0,-9-7-19 0,-3 4 20 15,-9-6-20-15,-4-5 40 0,-1-5-40 0,-11-3 40 16,-7 1-40-16,-5-7 3 0,-3 3-3 0,-6-3 3 16,-3 1-3-16,-6-4 4 0,-5-4-4 0,-5 4 4 15,-7-5-4-15,-5 7-18 0,-5-1 18 0,-6-1-18 0,-3 1 18 16,-4 4-69-16,-5-2 69 0,-7 1-69 0,-5 4 69 16,-2 1-16-16,-3 1 16 0,-6 6-15 0,-5-3 15 15,-5 6-11-15,-11 0 11 0,1 5-10 0,-4 4 10 16,-6-8-11-16,-6-1 11 0,-2 10-10 0,-2 9 10 15,-5-5-22-15,-4 3 22 0,-3 7-22 0,-5-4 22 0,-9 9-37 16,-7-1 37-16,3 13-36 0,1 3 36 16,-11-8-13-16,-6 2 13 0,6 4-12 0,-5 5 12 0,-11 8-1 15,-8 1 1-15,1 9 0 0,2 2 0 0,-7 3 9 16,0 9-9-16,7 2 10 0,4 9-10 0,-8 3-13 16,-1 3 13-16,1 5-12 0,3 7 12 0,2 11-1 15,6 1 1-15,-3 5-1 0,0 2 1 0,-3 20-17 0,-1 16 17 16,13-7-16-16,6 0 16 0,-4 11-16 0,-2 1 16 15,11 10-15-15,6 11 15 0,0-6-9 0,1 4 9 16,14 7-9-16,6-2 9 0,5 7 0 0,9-3 0 16,8 3 0-16,8-4 0 0,4 8 15 0,8-4-15 15,5 5 15-15,-1 3-15 0,15 4-3 0,0 0 3 16,5 7-3-16,7 5 3 0,2-7-2 0,7 2 2 16,3-2-1-16,6 0 1 0,3 2-27 0,1-3 27 15,6-3-27-15,6 3 27 0,-1-4 52 0,4 0-52 16,6-4 53-16,1 1-53 0,3-2 38 0,2-7-38 0,4 3 38 15,-2 2-38-15,3-8 1 0,2-4-1 0,0 3 2 16,1 3-2-16,5-10 11 0,1 3-11 0,0-15 11 16,-1-6-11-16,-4 7-113 0,-2 5 113 0,2-18-112 15,0-6 112-15,22 70-1970 0</inkml:trace>
-  <inkml:trace contextRef="#ctx0" brushRef="#br0" timeOffset="901.893">15291 8097 695 0,'0'0'0'0,"0"0"0"15,6 40 0-15,-6-40 251 0,0 0-251 0,-2 30 251 16,-2 10-251-16,4-40 207 0,0 0-207 0,-8 57 207 16,-5 13-207-16,13-70 242 0,0 0-242 0,-17 98 243 15,-11 24-243-15,28-122 128 0,0 0-128 0,-28 139 129 16,-2 19-129-16,30-158 124 0,0 0-124 0,-29 175 125 15,-3 15-125-15,32-190 7 0,0 0-7 0,-35 218 7 16,-3 21-7-16,38-239 18 0,0 0-18 0,-46 245 19 16,-1 9-19-16,47-254 65 0,0 0-65 0,-52 256 66 15,-4 8-66-15,56-264-4 0,0 0 4 0,-56 249-3 16,-3-5 3-16,59-244 5 0,0 0-5 0,-48 226 5 16,5-11-5-16,43-215 17 0,0 0-17 0,-35 202 17 15,9-11-17-15,26-191 54 0,0 0-54 0,-18 176 55 0,4-11-55 16,14-165 26-16,0 0-26 0,-7 137 26 0,0-22-26 15,7-115 0-15,0 0 0 0,-2 103 0 0,-1-13 0 16,3-90-61-16,0 0 61 0,-2 70-61 0,2-15 61 0,0-55-127 16,0 0 127-16,-2 45-127 0,1-15 127 15,1-30-158-15,0 0 158 0,-9 21-157 0,0-11 157 0,9-10-288 16,0 0 288-16,-17 6-288 0,-8-6 288 0,-17 1-1155 16</inkml:trace>
-  <inkml:trace contextRef="#ctx0" brushRef="#br0" timeOffset="1361.223">14243 12333 1793 0,'0'0'0'0,"-9"7"0"0,-5 3 0 16,6-5 228-16,-5-2-228 0,5 9 229 0,-1 6-229 15,0 1 143-15,2 1-143 0,2 6 143 0,0 3-143 16,5-29 30-16,0 0-30 0,-6 40 30 0,5 11-30 15,1 4-2-15,0 10 2 0,3-3-2 0,2-2 2 16,2 0-46-16,-1-2 46 0,6 11-46 0,5 3 46 16,-1-2 9-16,-2-6-9 0,4-16 10 0,-1-15-10 15,-1-1 48-15,-2-4-48 0,7-6 48 0,-2-5-48 0,-19-17 82 16,0 0-82-16,28 16 83 0,0-4-83 0,0-5 96 16,-2-6-96-16,-7 1 96 0,-3-4-96 0,1-3 73 15,1-3-73-15,-1-3 74 0,3-1-74 0,-1-3 12 16,0-6-12-16,-2 4 13 0,1-5-13 0,-1-6 17 15,1-1-17-15,-1 0 17 0,1 0-17 0,3 1-164 0,-2 2 164 16,-7 6-163-16,-5 4 163 0,0-2-496 0,0-1 496 16,0-9-496-16,2-6 496 0,7-28-1211 0</inkml:trace>
-  <inkml:trace contextRef="#ctx0" brushRef="#br0" timeOffset="2172.265">15085 8037 1681 0,'0'0'0'0,"0"0"0"15,-23 36 0-15,11-8 149 0,0-1-149 0,-4 6 149 16,1-3-149-16,-6 7 82 0,0 4-82 0,-7 8 82 16,0 3-82-16,-5 5 6 0,-4-2-6 0,-5 11 7 15,-9 7-7-15,8-1 1 0,-6 0-1 0,10-7 1 16,6-5-1-16,2-10 40 0,-3-4-40 0,17-22 40 16,12-12-40-16,-8 7 0 0,1-5 0 0,7-4 0 0,5-8 0 15,-4 5 102-15,-3-1-102 0,7-6 103 0,0 0-103 16,0 0 61-16,-8 0-61 0,8 0 62 0,0-13-62 15,7-1 8-15,1-8-8 0,6-7 8 0,7-7-8 16,2-11 11-16,7-4-11 0,3 1 11 0,5-3-11 16,3 0 22-16,2-2-22 0,6-5 23 0,4-11-23 15,-4 4 0-15,-4 2 0 0,-7 14 0 0,-3 8 0 16,-8 12-6-16,-6 14 6 0,-7 1-5 0,-6 4 5 0,8 0 3 16,1 4-3-16,-4 1 4 0,-3 5-4 0,4 2-41 15,5 2 41-15,-6 5-40 0,1 1 40 0,3 4 52 16,4 7-52-16,-4 7 53 0,1 5-53 0,-4 5-21 15,2 7 21-15,1-4-21 0,-5 2 21 0,6 0 7 0,-1 1-7 16,1-6 8-16,3-2-8 0,-2 2 0 0,5 0 0 16,-3-5 0-16,0 2 0 0,0 3 0 0,2 0 0 15,-9-5 0-15,-2-11 0 0,4 4 33 0,0 0-33 16,-9-10 33-16,-6-6-33 0,6 4-72 0,-3 1 72 16,1-5-72-16,-5-1 72 0,0 2-247 0,-3 3 247 15,-3-7-247-15,-2 2 247 0,-10 5-1431 0</inkml:trace>
-</inkml:ink>
-</file>
-
-<file path=ppt/ink/ink2.xml><?xml version="1.0" encoding="utf-8"?>
-<inkml:ink xmlns:inkml="http://www.w3.org/2003/InkML">
-  <inkml:definitions>
-    <inkml:context xml:id="ctx0">
-      <inkml:inkSource xml:id="inkSrc0">
-        <inkml:traceFormat>
-          <inkml:channel name="X" type="integer" max="19384" units="cm"/>
-          <inkml:channel name="Y" type="integer" max="11100" units="cm"/>
-          <inkml:channel name="F" type="integer" max="4096" units="dev"/>
-          <inkml:channel name="T" type="integer" max="2.14748E9" units="dev"/>
-        </inkml:traceFormat>
-        <inkml:channelProperties>
-          <inkml:channelProperty channel="X" name="resolution" value="627.3139" units="1/cm"/>
-          <inkml:channelProperty channel="Y" name="resolution" value="637.93103" units="1/cm"/>
-          <inkml:channelProperty channel="F" name="resolution" value="0" units="1/dev"/>
-          <inkml:channelProperty channel="T" name="resolution" value="1" units="1/dev"/>
-        </inkml:channelProperties>
-      </inkml:inkSource>
       <inkml:timestamp xml:id="ts0" timeString="2020-03-05T05:50:38.393"/>
     </inkml:context>
     <inkml:brush xml:id="br0">
@@ -340,7 +307,7 @@
   <inkml:trace contextRef="#ctx0" brushRef="#br0">21186 4759 2095 0,'4'24'0'0,"-4"-15"261"16,0-1-261-16,0-1 261 0,0-3-261 0,0-4 254 0,-2 8-254 0,2-8 255 16,-4 7-255-16,1 2 100 0,-2 3-100 0,-2 3 100 0,2-1-100 15,-15 8 51-15,-8 7-51 0,0-3 51 0,-1 3-51 16,-17 2-19-16,-11 0 19 0,8 2-18 0,0-1 18 15,-37 27 1-15,-29 13-1 0,24-17 2 0,7-4-2 16,0 6 15-16,0 3-15 0,-1-2 16 0,-8-6-16 16,9 11-119-16,0 1 119 0,43-37-118 0,27-22 118 0,-20 19-360 15,-1 7 360-15,-10 5-360 0,-7 7 360 0,-46 38-1701 16</inkml:trace>
   <inkml:trace contextRef="#ctx0" brushRef="#br0" timeOffset="351.919">19236 6196 1927 0,'0'0'0'0,"9"-19"0"16,7-11 0-16,-16 30 271 0,0 0-271 0,-5 12 271 15,-13 25-271-15,18-37 187 0,0 0-187 0,-19 36 187 16,-4 8-187-16,23-44 107 0,0 0-107 0,-26 52 107 16,-4 6-107-16,30-58 55 0,0 0-55 0,-29 81 55 15,-5 18-55-15,34-99 12 0,0 0-12 0,-22 83 13 16,4-4-13-16,18-79 22 0,0 0-22 0,-9 51 23 15,6-18-23-15,3-33-26 0,0 0 26 0,-2 27-25 0,2-8 25 16,0-19-122-16,0 0 122 0,0 12-121 0,2-3 121 16,-2-9-416-16,0 0 416 0,0 0-415 0,2-12 415 15,-1 0-1421-15</inkml:trace>
   <inkml:trace contextRef="#ctx0" brushRef="#br0" timeOffset="1183.075">19142 6482 886 0,'0'0'0'0,"-3"-12"0"0,-4-3 0 0,7 15 360 15,0 0-360-15,-7-12 361 0,-2-2-361 0,9 14 200 0,0 0-200 16,-14-14 201-16,-5 0-201 0,19 14 136 0,0 0-136 16,-18-13 137-16,-1-1-137 0,19 14 48 0,0 0-48 15,-12-19 48-15,5-1-48 0,7 20 12 0,0 0-12 16,7-24 13-16,12-4-13 0,-19 28 1 16,0 0-1-16,33-31 2 0,14 2-2 0,-47 29 79 0,0 0-79 15,56-22 79-15,9 8-79 0,-65 14 82 0,0 0-82 0,63-2 82 16,0 13-82-16,-63-11 41 0,0 0-41 0,54 17 42 15,-5 10-42-15,-49-27 46 0,0 0-46 0,35 31 47 16,-13 5-47-16,-22-36 28 0,0 0-28 0,6 43 28 16,-15 5-28-16,9-48 3 0,0 0-3 0,-28 64 4 15,-19 8-4-15,47-72 9 0,0 0-9 0,-40 63 9 16,-4-11-9-16,44-52 3 0,0 0-3 0,-26 34 4 16,12-17-4-16,14-17-20 0,0 0 20 0,-9 16-20 15,6-4 20-15,3-12 0 0,0 0 0 0,15 3 0 16,13-3 0-16,-28 0-1 0,0 0 1 0,35 0 0 0,11-3 0 15,-8-1-3-15,-3 4 3 0,0 0-3 0,-4 0 3 16,1 0 3-16,-4 7-3 0,-13-7 3 0,-8 2-3 16,0 1 32-16,-3 1-32 0,-4-4 32 0,0 0-32 0,0 0 51 15,0 0-51-15,-18 12 52 0,-9 12-52 16,27-24-2-16,0 0 2 0,-35 20-2 0,-9 6 2 0,4-4 12 16,-2 1-12-16,16-11 12 0,8-7-12 0,1 2 0 15,-1-2 0-15,-13 2 0 0,-9-1 0 0,5 3-34 16,-4-6 34-16,13 1-33 0,3-4 33 0,4 0-41 15,2-4 41-15,6 1-41 0,4 0 41 0,7 3-69 16,0 0 69-16,2-12-68 0,3-7 68 0,11 2-87 0,6-2 87 16,5-2-86-16,2 1 86 0,3-3-204 0,1-1 204 15,4-3-204-15,5-2 204 0,-2-6-181 0,4-1 181 16,1 4-181-16,2 1 181 0,-1 1-75 0,1 3 75 0,-2 3-74 16,-6 5 74-16,-3-1-5 0,-4 4 5 0,-6 4-5 15,-5 0 5-15,-4 0 153 0,-4 3-153 0,-5 6 154 16,-4 3-154-16,-4 0 172 0,0 0-172 0,0 0 173 15,0 0-173-15,0 0 133 0,0 0-133 0,-18 12 133 16,-11 12-133-16,-1 0 64 0,-3 0-64 0,12-8 65 16,9-4-65-16,-2 0 52 0,3-4-52 0,-6 20 53 15,-3 4-53-15,12-1 6 0,-3 2-6 0,8-8 6 16,4-4-6-16,8-5 18 0,7-8-18 0,3 1 19 16,6-2-19-16,3-7 8 0,5-7-8 0,0 2 8 15,2-2-8-15,0-2 0 0,5 1 0 0,-2-4 0 16,-1-1 0-16,0-2 3 0,-2 0-3 0,-4-3 3 0,-3 5-3 15,-3 1 29-15,-4-4-29 0,-4 4 29 0,-5 0-29 16,-5 0 35-16,-3 4-35 0,-4-4 35 0,-4 3-35 16,-4-3-2-16,-6 0 2 0,0 5-1 0,0-1 1 15,-11 1-1-15,-5 2 1 0,6 1 0 0,0 4 0 0,-4-3-6 16,-4 1 6-16,6 2-6 0,0 0 6 0,-1 0-102 16,1 2 102-16,9 1-101 0,5-3 101 0,-4 0-256 15,-5-3 256-15,7 1-256 0,3 0 256 0,1 1-451 16,1-3 451-16,0 1-450 0,6-1 450 0,-7-1-929 15</inkml:trace>
-  <inkml:trace contextRef="#ctx0" brushRef="#br0" timeOffset="1216.372">19850 6400 191 0,'0'0'0'0,"17"-2"0"0,6-1 0 0,19-6-84 0</inkml:trace>
+  <inkml:trace contextRef="#ctx0" brushRef="#br0" timeOffset="1216.371">19850 6400 191 0,'0'0'0'0,"17"-2"0"0,6-1 0 0,19-6-84 0</inkml:trace>
   <inkml:trace contextRef="#ctx0" brushRef="#br0" timeOffset="1521.561">20045 6362 841 0,'0'0'0'15,"18"-7"0"-15,10 2 0 0,-7-2 300 0,-2 0-300 16,-2 6 300-16,-1 1-300 0,-7 0 241 0,-4 0-241 0,-5 0 241 16,0 0-241-16,0 0 200 0,-9 1-200 0,9-1 201 15,0 0-201-15,0 0 143 0,0 0-143 0,-12 14 144 16,-9 3-144-16,4 2-5 0,-1 2 5 15,6-6-4-15,2-3 4 0,4 0 0 0,6 0 0 16,9 4 0-16,5-4 0 0,3 0 13 0,4-6-13 0,2 3 14 16,3 0-14-16,2-6-2 0,0-1 2 15,2-1-2-15,1 1 2 0,1-2 38 0,-1-2-38 0,-1 1 38 16,-2-1-38-16,-2 2 0 0,-1-3 0 0,-1 3 0 16,1-6 0-16,-4 3 16 0,-2-4-16 0,-7 4 17 15,-3 1-17-15,-9 2 68 0,5-10-68 0,-5 10 69 16,-2-9-69-16,-5 1 0 0,-5 1 0 0,3 2 0 15,2 1 0-15,-3-3 7 0,-2 2-7 0,3-2 7 16,0 6-7-16,-1-8 4 0,-3 2-4 0,5 4 5 0,-1-3-5 16,0 3-1-16,-1 0 1 0,3-1 0 0,0 2 0 15,0 2-89-15,-2 0 89 0,9 0-88 0,-11 2 88 16,11-2-232-16,-10 4 232 0,10-4-232 0,0 0 232 16,0 0-417-16,-7 6 417 0,7-6-417 0,0 0 417 0,0 0-900 15</inkml:trace>
   <inkml:trace contextRef="#ctx0" brushRef="#br0" timeOffset="1823.212">20853 6041 1670 0,'0'0'0'0,"0"0"0"15,0 0 0-15,0 0 344 0,0 0-344 0,0 0 344 16,0 0-344-16,0 0 178 0,0 0-178 0,0 0 179 16,0 0-179-16,0 7 110 0,-2 7-110 0,-2 17 110 15,-1 10-110-15,-2 0 44 0,-2 4-44 0,2-6 44 16,2-3-44-16,-4 0-5 0,1 0 5 0,-1 0-5 16,2-1 5-16,0 4 3 0,0-3-3 0,2 5 3 15,1 2-3-15,4-10-20 0,-7 1 20 0,7-6-20 16,2-8 20-16,-4-1-96 0,0-4 96 0,6-3-95 15,1-3 95-15,4 0-509 0,0-6 509 0,-1-3-509 16,3-3 509-16,10-4-1141 0</inkml:trace>
   <inkml:trace contextRef="#ctx0" brushRef="#br0" timeOffset="2124.25">21412 6326 1580 0,'0'0'0'0,"0"0"0"0,-4-10 0 0,-1 5 267 15,0-6-267-15,-1 6 268 0,1-2-268 0,-4 2 174 0,-1-2-174 16,1 4 175-16,2 1-175 0,-9 2 56 0,-3-3-56 16,-2 6 56-16,-8 0-56 0,-6 3-18 0,-6 0 18 15,22-4-18-15,14 2 18 0,-11-1 6 0,-1 1-6 16,-13 1 7-16,-10 5-7 0,8-1 0 0,5-1 0 16,9-1 0-16,8 2 0 0,6-4-1 0,8 2 1 15,10-1 0-15,5 3 0 0,0 0-2 0,0-1 2 0,6 2-2 16,1 2 2-16,2 4 2 0,2 1-2 15,-1-1 2-15,3-1-2 0,-4-1 47 0,-4 5-47 16,2-2 48-16,-3 5-48 0,0-6-5 0,-2-1 5 16,-4 6-4-16,-1 3 4 0,1-4 16 0,-1-1-16 15,-7-3 17-15,-4-8-17 0,2-4-179 0,2-3 179 0,-9-1-178 16,0 0 178-16,0 0-1631 0</inkml:trace>
@@ -15293,83 +15260,51 @@
       </p:sp>
       <p:pic>
         <p:nvPicPr>
-          <p:cNvPr id="105" name="Google Shape;105;p17"/>
-          <p:cNvPicPr preferRelativeResize="0"/>
+          <p:cNvPr id="1026" name="Picture 2">
+            <a:extLst>
+              <a:ext uri="{FF2B5EF4-FFF2-40B4-BE49-F238E27FC236}">
+                <a16:creationId xmlns:a16="http://schemas.microsoft.com/office/drawing/2014/main" id="{55FB733E-D8C0-4004-8374-C729B5E0E8FB}"/>
+              </a:ext>
+            </a:extLst>
+          </p:cNvPr>
+          <p:cNvPicPr>
+            <a:picLocks noChangeAspect="1" noChangeArrowheads="1"/>
+          </p:cNvPicPr>
           <p:nvPr/>
         </p:nvPicPr>
         <p:blipFill>
           <a:blip r:embed="rId3">
-            <a:alphaModFix/>
+            <a:extLst>
+              <a:ext uri="{28A0092B-C50C-407E-A947-70E740481C1C}">
+                <a14:useLocalDpi xmlns:a14="http://schemas.microsoft.com/office/drawing/2010/main" val="0"/>
+              </a:ext>
+            </a:extLst>
           </a:blip>
+          <a:srcRect/>
           <a:stretch>
             <a:fillRect/>
           </a:stretch>
         </p:blipFill>
-        <p:spPr>
+        <p:spPr bwMode="auto">
           <a:xfrm>
-            <a:off x="0" y="863500"/>
-            <a:ext cx="8991599" cy="4910377"/>
+            <a:off x="-62" y="1614451"/>
+            <a:ext cx="9144000" cy="3840163"/>
           </a:xfrm>
           <a:prstGeom prst="rect">
             <a:avLst/>
           </a:prstGeom>
           <a:noFill/>
-          <a:ln>
-            <a:noFill/>
-          </a:ln>
+          <a:extLst>
+            <a:ext uri="{909E8E84-426E-40DD-AFC4-6F175D3DCCD1}">
+              <a14:hiddenFill xmlns:a14="http://schemas.microsoft.com/office/drawing/2010/main">
+                <a:solidFill>
+                  <a:srgbClr val="FFFFFF"/>
+                </a:solidFill>
+              </a14:hiddenFill>
+            </a:ext>
+          </a:extLst>
         </p:spPr>
       </p:pic>
-      <mc:AlternateContent xmlns:mc="http://schemas.openxmlformats.org/markup-compatibility/2006" xmlns:p14="http://schemas.microsoft.com/office/powerpoint/2010/main">
-        <mc:Choice Requires="p14">
-          <p:contentPart p14:bwMode="auto" r:id="rId4">
-            <p14:nvContentPartPr>
-              <p14:cNvPr id="2" name="Ink 1">
-                <a:extLst>
-                  <a:ext uri="{FF2B5EF4-FFF2-40B4-BE49-F238E27FC236}">
-                    <a16:creationId xmlns:a16="http://schemas.microsoft.com/office/drawing/2014/main" id="{28464B93-E770-4BAE-89BB-EFACDD6A0377}"/>
-                  </a:ext>
-                </a:extLst>
-              </p14:cNvPr>
-              <p14:cNvContentPartPr/>
-              <p14:nvPr/>
-            </p14:nvContentPartPr>
-            <p14:xfrm>
-              <a:off x="3689640" y="707400"/>
-              <a:ext cx="2994840" cy="4126320"/>
-            </p14:xfrm>
-          </p:contentPart>
-        </mc:Choice>
-        <mc:Fallback xmlns="">
-          <p:pic>
-            <p:nvPicPr>
-              <p:cNvPr id="2" name="Ink 1">
-                <a:extLst>
-                  <a:ext uri="{FF2B5EF4-FFF2-40B4-BE49-F238E27FC236}">
-                    <a16:creationId xmlns:a16="http://schemas.microsoft.com/office/drawing/2014/main" id="{28464B93-E770-4BAE-89BB-EFACDD6A0377}"/>
-                  </a:ext>
-                </a:extLst>
-              </p:cNvPr>
-              <p:cNvPicPr/>
-              <p:nvPr/>
-            </p:nvPicPr>
-            <p:blipFill>
-              <a:blip r:embed="rId5"/>
-              <a:stretch>
-                <a:fillRect/>
-              </a:stretch>
-            </p:blipFill>
-            <p:spPr>
-              <a:xfrm>
-                <a:off x="3680280" y="698040"/>
-                <a:ext cx="3013560" cy="4145040"/>
-              </a:xfrm>
-              <a:prstGeom prst="rect">
-                <a:avLst/>
-              </a:prstGeom>
-            </p:spPr>
-          </p:pic>
-        </mc:Fallback>
-      </mc:AlternateContent>
     </p:spTree>
   </p:cSld>
   <p:clrMapOvr>
@@ -15812,17 +15747,17 @@
               <a:buNone/>
             </a:pPr>
             <a:r>
-              <a:rPr lang="en-US" sz="2000"/>
-              <a:t>Sample Scenario Overview Diagram  </a:t>
+              <a:rPr lang="en-US" sz="2000" dirty="0"/>
+              <a:t>Scenario Overview Diagram  </a:t>
             </a:r>
             <a:br>
-              <a:rPr lang="en-US" sz="2000"/>
+              <a:rPr lang="en-US" sz="2000" dirty="0"/>
             </a:br>
             <a:r>
-              <a:rPr lang="en-US" sz="2000"/>
+              <a:rPr lang="en-US" sz="2000" dirty="0"/>
               <a:t>   – Customer makes payment</a:t>
             </a:r>
-            <a:endParaRPr sz="2000"/>
+            <a:endParaRPr sz="2000" dirty="0"/>
           </a:p>
         </p:txBody>
       </p:sp>
@@ -17184,21 +17119,21 @@
               <a:buNone/>
             </a:pPr>
             <a:r>
-              <a:rPr lang="en-US" sz="2000"/>
-              <a:t>Sample User Scenario Diagram</a:t>
+              <a:rPr lang="en-US" sz="2000" dirty="0"/>
+              <a:t>User Scenario Diagram</a:t>
             </a:r>
             <a:r>
-              <a:rPr lang="en-US" sz="2200"/>
+              <a:rPr lang="en-US" sz="2200" dirty="0"/>
               <a:t> </a:t>
             </a:r>
             <a:br>
-              <a:rPr lang="en-US" sz="2200"/>
+              <a:rPr lang="en-US" sz="2200" dirty="0"/>
             </a:br>
             <a:r>
-              <a:rPr lang="en-US" sz="2200"/>
+              <a:rPr lang="en-US" sz="2200" dirty="0"/>
               <a:t>   – Service Provider Collects Payment</a:t>
             </a:r>
-            <a:endParaRPr sz="2200"/>
+            <a:endParaRPr sz="2200" dirty="0"/>
           </a:p>
         </p:txBody>
       </p:sp>
